--- a/ayudantes.pptx
+++ b/ayudantes.pptx
@@ -262,7 +262,7 @@
           <a:p>
             <a:fld id="{A4CC8D7F-8D89-9644-9E16-BA2DE641EE0D}" type="datetimeFigureOut">
               <a:rPr lang="en-MX" smtClean="0"/>
-              <a:t>12/07/23</a:t>
+              <a:t>05/08/23</a:t>
             </a:fld>
             <a:endParaRPr lang="en-MX"/>
           </a:p>
@@ -462,7 +462,7 @@
           <a:p>
             <a:fld id="{A4CC8D7F-8D89-9644-9E16-BA2DE641EE0D}" type="datetimeFigureOut">
               <a:rPr lang="en-MX" smtClean="0"/>
-              <a:t>12/07/23</a:t>
+              <a:t>05/08/23</a:t>
             </a:fld>
             <a:endParaRPr lang="en-MX"/>
           </a:p>
@@ -672,7 +672,7 @@
           <a:p>
             <a:fld id="{A4CC8D7F-8D89-9644-9E16-BA2DE641EE0D}" type="datetimeFigureOut">
               <a:rPr lang="en-MX" smtClean="0"/>
-              <a:t>12/07/23</a:t>
+              <a:t>05/08/23</a:t>
             </a:fld>
             <a:endParaRPr lang="en-MX"/>
           </a:p>
@@ -872,7 +872,7 @@
           <a:p>
             <a:fld id="{A4CC8D7F-8D89-9644-9E16-BA2DE641EE0D}" type="datetimeFigureOut">
               <a:rPr lang="en-MX" smtClean="0"/>
-              <a:t>12/07/23</a:t>
+              <a:t>05/08/23</a:t>
             </a:fld>
             <a:endParaRPr lang="en-MX"/>
           </a:p>
@@ -1148,7 +1148,7 @@
           <a:p>
             <a:fld id="{A4CC8D7F-8D89-9644-9E16-BA2DE641EE0D}" type="datetimeFigureOut">
               <a:rPr lang="en-MX" smtClean="0"/>
-              <a:t>12/07/23</a:t>
+              <a:t>05/08/23</a:t>
             </a:fld>
             <a:endParaRPr lang="en-MX"/>
           </a:p>
@@ -1416,7 +1416,7 @@
           <a:p>
             <a:fld id="{A4CC8D7F-8D89-9644-9E16-BA2DE641EE0D}" type="datetimeFigureOut">
               <a:rPr lang="en-MX" smtClean="0"/>
-              <a:t>12/07/23</a:t>
+              <a:t>05/08/23</a:t>
             </a:fld>
             <a:endParaRPr lang="en-MX"/>
           </a:p>
@@ -1831,7 +1831,7 @@
           <a:p>
             <a:fld id="{A4CC8D7F-8D89-9644-9E16-BA2DE641EE0D}" type="datetimeFigureOut">
               <a:rPr lang="en-MX" smtClean="0"/>
-              <a:t>12/07/23</a:t>
+              <a:t>05/08/23</a:t>
             </a:fld>
             <a:endParaRPr lang="en-MX"/>
           </a:p>
@@ -1973,7 +1973,7 @@
           <a:p>
             <a:fld id="{A4CC8D7F-8D89-9644-9E16-BA2DE641EE0D}" type="datetimeFigureOut">
               <a:rPr lang="en-MX" smtClean="0"/>
-              <a:t>12/07/23</a:t>
+              <a:t>05/08/23</a:t>
             </a:fld>
             <a:endParaRPr lang="en-MX"/>
           </a:p>
@@ -2086,7 +2086,7 @@
           <a:p>
             <a:fld id="{A4CC8D7F-8D89-9644-9E16-BA2DE641EE0D}" type="datetimeFigureOut">
               <a:rPr lang="en-MX" smtClean="0"/>
-              <a:t>12/07/23</a:t>
+              <a:t>05/08/23</a:t>
             </a:fld>
             <a:endParaRPr lang="en-MX"/>
           </a:p>
@@ -2399,7 +2399,7 @@
           <a:p>
             <a:fld id="{A4CC8D7F-8D89-9644-9E16-BA2DE641EE0D}" type="datetimeFigureOut">
               <a:rPr lang="en-MX" smtClean="0"/>
-              <a:t>12/07/23</a:t>
+              <a:t>05/08/23</a:t>
             </a:fld>
             <a:endParaRPr lang="en-MX"/>
           </a:p>
@@ -2688,7 +2688,7 @@
           <a:p>
             <a:fld id="{A4CC8D7F-8D89-9644-9E16-BA2DE641EE0D}" type="datetimeFigureOut">
               <a:rPr lang="en-MX" smtClean="0"/>
-              <a:t>12/07/23</a:t>
+              <a:t>05/08/23</a:t>
             </a:fld>
             <a:endParaRPr lang="en-MX"/>
           </a:p>
@@ -2931,7 +2931,7 @@
           <a:p>
             <a:fld id="{A4CC8D7F-8D89-9644-9E16-BA2DE641EE0D}" type="datetimeFigureOut">
               <a:rPr lang="en-MX" smtClean="0"/>
-              <a:t>12/07/23</a:t>
+              <a:t>05/08/23</a:t>
             </a:fld>
             <a:endParaRPr lang="en-MX"/>
           </a:p>
@@ -3473,7 +3473,7 @@
             <a:pPr algn="ctr"/>
             <a:r>
               <a:rPr lang="en-MX" dirty="0"/>
-              <a:t>M. C. Andrés Arredondo Cruz</a:t>
+              <a:t>Andrés Arredondo Cruz</a:t>
             </a:r>
           </a:p>
         </p:txBody>

--- a/ayudantes.pptx
+++ b/ayudantes.pptx
@@ -262,7 +262,7 @@
           <a:p>
             <a:fld id="{A4CC8D7F-8D89-9644-9E16-BA2DE641EE0D}" type="datetimeFigureOut">
               <a:rPr lang="en-MX" smtClean="0"/>
-              <a:t>05/08/23</a:t>
+              <a:t>26/10/24</a:t>
             </a:fld>
             <a:endParaRPr lang="en-MX"/>
           </a:p>
@@ -462,7 +462,7 @@
           <a:p>
             <a:fld id="{A4CC8D7F-8D89-9644-9E16-BA2DE641EE0D}" type="datetimeFigureOut">
               <a:rPr lang="en-MX" smtClean="0"/>
-              <a:t>05/08/23</a:t>
+              <a:t>26/10/24</a:t>
             </a:fld>
             <a:endParaRPr lang="en-MX"/>
           </a:p>
@@ -672,7 +672,7 @@
           <a:p>
             <a:fld id="{A4CC8D7F-8D89-9644-9E16-BA2DE641EE0D}" type="datetimeFigureOut">
               <a:rPr lang="en-MX" smtClean="0"/>
-              <a:t>05/08/23</a:t>
+              <a:t>26/10/24</a:t>
             </a:fld>
             <a:endParaRPr lang="en-MX"/>
           </a:p>
@@ -872,7 +872,7 @@
           <a:p>
             <a:fld id="{A4CC8D7F-8D89-9644-9E16-BA2DE641EE0D}" type="datetimeFigureOut">
               <a:rPr lang="en-MX" smtClean="0"/>
-              <a:t>05/08/23</a:t>
+              <a:t>26/10/24</a:t>
             </a:fld>
             <a:endParaRPr lang="en-MX"/>
           </a:p>
@@ -1148,7 +1148,7 @@
           <a:p>
             <a:fld id="{A4CC8D7F-8D89-9644-9E16-BA2DE641EE0D}" type="datetimeFigureOut">
               <a:rPr lang="en-MX" smtClean="0"/>
-              <a:t>05/08/23</a:t>
+              <a:t>26/10/24</a:t>
             </a:fld>
             <a:endParaRPr lang="en-MX"/>
           </a:p>
@@ -1416,7 +1416,7 @@
           <a:p>
             <a:fld id="{A4CC8D7F-8D89-9644-9E16-BA2DE641EE0D}" type="datetimeFigureOut">
               <a:rPr lang="en-MX" smtClean="0"/>
-              <a:t>05/08/23</a:t>
+              <a:t>26/10/24</a:t>
             </a:fld>
             <a:endParaRPr lang="en-MX"/>
           </a:p>
@@ -1831,7 +1831,7 @@
           <a:p>
             <a:fld id="{A4CC8D7F-8D89-9644-9E16-BA2DE641EE0D}" type="datetimeFigureOut">
               <a:rPr lang="en-MX" smtClean="0"/>
-              <a:t>05/08/23</a:t>
+              <a:t>26/10/24</a:t>
             </a:fld>
             <a:endParaRPr lang="en-MX"/>
           </a:p>
@@ -1973,7 +1973,7 @@
           <a:p>
             <a:fld id="{A4CC8D7F-8D89-9644-9E16-BA2DE641EE0D}" type="datetimeFigureOut">
               <a:rPr lang="en-MX" smtClean="0"/>
-              <a:t>05/08/23</a:t>
+              <a:t>26/10/24</a:t>
             </a:fld>
             <a:endParaRPr lang="en-MX"/>
           </a:p>
@@ -2086,7 +2086,7 @@
           <a:p>
             <a:fld id="{A4CC8D7F-8D89-9644-9E16-BA2DE641EE0D}" type="datetimeFigureOut">
               <a:rPr lang="en-MX" smtClean="0"/>
-              <a:t>05/08/23</a:t>
+              <a:t>26/10/24</a:t>
             </a:fld>
             <a:endParaRPr lang="en-MX"/>
           </a:p>
@@ -2399,7 +2399,7 @@
           <a:p>
             <a:fld id="{A4CC8D7F-8D89-9644-9E16-BA2DE641EE0D}" type="datetimeFigureOut">
               <a:rPr lang="en-MX" smtClean="0"/>
-              <a:t>05/08/23</a:t>
+              <a:t>26/10/24</a:t>
             </a:fld>
             <a:endParaRPr lang="en-MX"/>
           </a:p>
@@ -2688,7 +2688,7 @@
           <a:p>
             <a:fld id="{A4CC8D7F-8D89-9644-9E16-BA2DE641EE0D}" type="datetimeFigureOut">
               <a:rPr lang="en-MX" smtClean="0"/>
-              <a:t>05/08/23</a:t>
+              <a:t>26/10/24</a:t>
             </a:fld>
             <a:endParaRPr lang="en-MX"/>
           </a:p>
@@ -2931,7 +2931,7 @@
           <a:p>
             <a:fld id="{A4CC8D7F-8D89-9644-9E16-BA2DE641EE0D}" type="datetimeFigureOut">
               <a:rPr lang="en-MX" smtClean="0"/>
-              <a:t>05/08/23</a:t>
+              <a:t>26/10/24</a:t>
             </a:fld>
             <a:endParaRPr lang="en-MX"/>
           </a:p>
@@ -3348,50 +3348,21 @@
           <a:chExt cx="0" cy="0"/>
         </a:xfrm>
       </p:grpSpPr>
-      <p:pic>
-        <p:nvPicPr>
-          <p:cNvPr id="5" name="Picture 4">
-            <a:extLst>
-              <a:ext uri="{FF2B5EF4-FFF2-40B4-BE49-F238E27FC236}">
-                <a16:creationId xmlns:a16="http://schemas.microsoft.com/office/drawing/2014/main" id="{3CD0885B-1780-D994-FF50-1B816090F60A}"/>
-              </a:ext>
-            </a:extLst>
-          </p:cNvPr>
-          <p:cNvPicPr>
-            <a:picLocks noChangeAspect="1"/>
-          </p:cNvPicPr>
+      <p:sp>
+        <p:nvSpPr>
+          <p:cNvPr id="6" name="TextBox 5">
+            <a:extLst>
+              <a:ext uri="{FF2B5EF4-FFF2-40B4-BE49-F238E27FC236}">
+                <a16:creationId xmlns:a16="http://schemas.microsoft.com/office/drawing/2014/main" id="{B8E65B81-7AE6-3C7A-1F21-7C2510F5FEAB}"/>
+              </a:ext>
+            </a:extLst>
+          </p:cNvPr>
+          <p:cNvSpPr txBox="1"/>
           <p:nvPr/>
-        </p:nvPicPr>
-        <p:blipFill rotWithShape="1">
-          <a:blip r:embed="rId2"/>
-          <a:srcRect b="22277"/>
-          <a:stretch/>
-        </p:blipFill>
+        </p:nvSpPr>
         <p:spPr>
           <a:xfrm>
-            <a:off x="883721" y="1512907"/>
-            <a:ext cx="2156935" cy="2979663"/>
-          </a:xfrm>
-          <a:prstGeom prst="ellipse">
-            <a:avLst/>
-          </a:prstGeom>
-        </p:spPr>
-      </p:pic>
-      <p:sp>
-        <p:nvSpPr>
-          <p:cNvPr id="6" name="TextBox 5">
-            <a:extLst>
-              <a:ext uri="{FF2B5EF4-FFF2-40B4-BE49-F238E27FC236}">
-                <a16:creationId xmlns:a16="http://schemas.microsoft.com/office/drawing/2014/main" id="{B8E65B81-7AE6-3C7A-1F21-7C2510F5FEAB}"/>
-              </a:ext>
-            </a:extLst>
-          </p:cNvPr>
-          <p:cNvSpPr txBox="1"/>
-          <p:nvPr/>
-        </p:nvSpPr>
-        <p:spPr>
-          <a:xfrm>
-            <a:off x="1024568" y="4649118"/>
+            <a:off x="2267437" y="4456391"/>
             <a:ext cx="2016088" cy="646331"/>
           </a:xfrm>
           <a:prstGeom prst="rect">
@@ -3415,10 +3386,10 @@
       </p:sp>
       <p:pic>
         <p:nvPicPr>
-          <p:cNvPr id="8" name="Picture 7">
-            <a:extLst>
-              <a:ext uri="{FF2B5EF4-FFF2-40B4-BE49-F238E27FC236}">
-                <a16:creationId xmlns:a16="http://schemas.microsoft.com/office/drawing/2014/main" id="{DAFF5D0F-4E78-260A-86B4-251B2CFB9BC3}"/>
+          <p:cNvPr id="3" name="Picture 2">
+            <a:extLst>
+              <a:ext uri="{FF2B5EF4-FFF2-40B4-BE49-F238E27FC236}">
+                <a16:creationId xmlns:a16="http://schemas.microsoft.com/office/drawing/2014/main" id="{A73CBFA4-A3B6-FDE3-157F-85F160E8A035}"/>
               </a:ext>
             </a:extLst>
           </p:cNvPr>
@@ -3427,27 +3398,58 @@
           </p:cNvPicPr>
           <p:nvPr/>
         </p:nvPicPr>
-        <p:blipFill rotWithShape="1">
-          <a:blip r:embed="rId3"/>
-          <a:srcRect l="20783" t="16750" r="25678" b="31901"/>
-          <a:stretch/>
+        <p:blipFill>
+          <a:blip r:embed="rId2"/>
+          <a:stretch>
+            <a:fillRect/>
+          </a:stretch>
         </p:blipFill>
         <p:spPr>
           <a:xfrm>
-            <a:off x="3448280" y="1512907"/>
-            <a:ext cx="2330037" cy="2979664"/>
+            <a:off x="1785650" y="1270536"/>
+            <a:ext cx="2979663" cy="2979663"/>
           </a:xfrm>
           <a:prstGeom prst="ellipse">
             <a:avLst/>
           </a:prstGeom>
         </p:spPr>
       </p:pic>
-      <p:sp>
-        <p:nvSpPr>
-          <p:cNvPr id="9" name="TextBox 8">
-            <a:extLst>
-              <a:ext uri="{FF2B5EF4-FFF2-40B4-BE49-F238E27FC236}">
-                <a16:creationId xmlns:a16="http://schemas.microsoft.com/office/drawing/2014/main" id="{D9D5F33B-9097-F789-4783-E44934E653BD}"/>
+      <p:pic>
+        <p:nvPicPr>
+          <p:cNvPr id="7" name="Picture 6">
+            <a:extLst>
+              <a:ext uri="{FF2B5EF4-FFF2-40B4-BE49-F238E27FC236}">
+                <a16:creationId xmlns:a16="http://schemas.microsoft.com/office/drawing/2014/main" id="{5C4EB57E-0207-2591-05DE-B3CD0C77CA97}"/>
+              </a:ext>
+            </a:extLst>
+          </p:cNvPr>
+          <p:cNvPicPr>
+            <a:picLocks noChangeAspect="1"/>
+          </p:cNvPicPr>
+          <p:nvPr/>
+        </p:nvPicPr>
+        <p:blipFill>
+          <a:blip r:embed="rId3"/>
+          <a:stretch>
+            <a:fillRect/>
+          </a:stretch>
+        </p:blipFill>
+        <p:spPr>
+          <a:xfrm>
+            <a:off x="5699910" y="1270535"/>
+            <a:ext cx="2979663" cy="2979663"/>
+          </a:xfrm>
+          <a:prstGeom prst="ellipse">
+            <a:avLst/>
+          </a:prstGeom>
+        </p:spPr>
+      </p:pic>
+      <p:sp>
+        <p:nvSpPr>
+          <p:cNvPr id="10" name="TextBox 9">
+            <a:extLst>
+              <a:ext uri="{FF2B5EF4-FFF2-40B4-BE49-F238E27FC236}">
+                <a16:creationId xmlns:a16="http://schemas.microsoft.com/office/drawing/2014/main" id="{38BE33C7-AE5E-B1E3-9404-25A12BB6F435}"/>
               </a:ext>
             </a:extLst>
           </p:cNvPr>
@@ -3456,7 +3458,7 @@
         </p:nvSpPr>
         <p:spPr>
           <a:xfrm>
-            <a:off x="3605254" y="4649117"/>
+            <a:off x="6181697" y="4445450"/>
             <a:ext cx="2016088" cy="646331"/>
           </a:xfrm>
           <a:prstGeom prst="rect">
@@ -3472,142 +3474,17 @@
           <a:p>
             <a:pPr algn="ctr"/>
             <a:r>
-              <a:rPr lang="en-MX" dirty="0"/>
-              <a:t>Andrés Arredondo Cruz</a:t>
-            </a:r>
-          </a:p>
-        </p:txBody>
-      </p:sp>
-      <p:pic>
-        <p:nvPicPr>
-          <p:cNvPr id="11" name="Picture 10">
-            <a:extLst>
-              <a:ext uri="{FF2B5EF4-FFF2-40B4-BE49-F238E27FC236}">
-                <a16:creationId xmlns:a16="http://schemas.microsoft.com/office/drawing/2014/main" id="{E091A54E-799A-E9C8-5B88-0777AB68F078}"/>
-              </a:ext>
-            </a:extLst>
-          </p:cNvPr>
-          <p:cNvPicPr>
-            <a:picLocks noChangeAspect="1"/>
-          </p:cNvPicPr>
-          <p:nvPr/>
-        </p:nvPicPr>
-        <p:blipFill rotWithShape="1">
-          <a:blip r:embed="rId4"/>
-          <a:srcRect l="11874" t="6908" r="12588" b="22060"/>
-          <a:stretch/>
-        </p:blipFill>
-        <p:spPr>
-          <a:xfrm>
-            <a:off x="6193005" y="1512907"/>
-            <a:ext cx="2376507" cy="2979664"/>
-          </a:xfrm>
-          <a:prstGeom prst="ellipse">
-            <a:avLst/>
-          </a:prstGeom>
-        </p:spPr>
-      </p:pic>
-      <p:sp>
-        <p:nvSpPr>
-          <p:cNvPr id="12" name="TextBox 11">
-            <a:extLst>
-              <a:ext uri="{FF2B5EF4-FFF2-40B4-BE49-F238E27FC236}">
-                <a16:creationId xmlns:a16="http://schemas.microsoft.com/office/drawing/2014/main" id="{7903E947-07FA-D7A0-5222-F43543928F8B}"/>
-              </a:ext>
-            </a:extLst>
-          </p:cNvPr>
-          <p:cNvSpPr txBox="1"/>
-          <p:nvPr/>
-        </p:nvSpPr>
-        <p:spPr>
-          <a:xfrm>
-            <a:off x="6570660" y="4649117"/>
-            <a:ext cx="2117032" cy="369332"/>
-          </a:xfrm>
-          <a:prstGeom prst="rect">
-            <a:avLst/>
-          </a:prstGeom>
-          <a:noFill/>
-        </p:spPr>
-        <p:txBody>
-          <a:bodyPr wrap="square" rtlCol="0">
-            <a:spAutoFit/>
-          </a:bodyPr>
-          <a:lstStyle/>
-          <a:p>
-            <a:pPr algn="ctr"/>
-            <a:r>
-              <a:rPr lang="en-MX" dirty="0"/>
-              <a:t>M. C. Diego Ramírez</a:t>
-            </a:r>
-          </a:p>
-        </p:txBody>
-      </p:sp>
-      <p:sp>
-        <p:nvSpPr>
-          <p:cNvPr id="13" name="TextBox 12">
-            <a:extLst>
-              <a:ext uri="{FF2B5EF4-FFF2-40B4-BE49-F238E27FC236}">
-                <a16:creationId xmlns:a16="http://schemas.microsoft.com/office/drawing/2014/main" id="{7E6E2FBF-3CD8-FCC8-6AF4-C1AEB7090388}"/>
-              </a:ext>
-            </a:extLst>
-          </p:cNvPr>
-          <p:cNvSpPr txBox="1"/>
-          <p:nvPr/>
-        </p:nvSpPr>
-        <p:spPr>
-          <a:xfrm>
-            <a:off x="9321172" y="4649116"/>
-            <a:ext cx="2016088" cy="646331"/>
-          </a:xfrm>
-          <a:prstGeom prst="rect">
-            <a:avLst/>
-          </a:prstGeom>
-          <a:noFill/>
-        </p:spPr>
-        <p:txBody>
-          <a:bodyPr wrap="square" rtlCol="0">
-            <a:spAutoFit/>
-          </a:bodyPr>
-          <a:lstStyle/>
-          <a:p>
-            <a:pPr algn="ctr"/>
-            <a:r>
-              <a:rPr lang="en-MX" dirty="0"/>
-              <a:t>M. C. Luis Alberto Meza</a:t>
-            </a:r>
-          </a:p>
-        </p:txBody>
-      </p:sp>
-      <p:pic>
-        <p:nvPicPr>
-          <p:cNvPr id="15" name="Picture 14">
-            <a:extLst>
-              <a:ext uri="{FF2B5EF4-FFF2-40B4-BE49-F238E27FC236}">
-                <a16:creationId xmlns:a16="http://schemas.microsoft.com/office/drawing/2014/main" id="{500936D6-9F4B-671C-C2A8-A91DE9BAA250}"/>
-              </a:ext>
-            </a:extLst>
-          </p:cNvPr>
-          <p:cNvPicPr>
-            <a:picLocks noChangeAspect="1"/>
-          </p:cNvPicPr>
-          <p:nvPr/>
-        </p:nvPicPr>
-        <p:blipFill rotWithShape="1">
-          <a:blip r:embed="rId5"/>
-          <a:srcRect l="13830" t="12530" r="14150" b="17911"/>
-          <a:stretch/>
-        </p:blipFill>
-        <p:spPr>
-          <a:xfrm>
-            <a:off x="9065348" y="1472461"/>
-            <a:ext cx="2348200" cy="3020110"/>
-          </a:xfrm>
-          <a:prstGeom prst="ellipse">
-            <a:avLst/>
-          </a:prstGeom>
-        </p:spPr>
-      </p:pic>
+              <a:rPr lang="en-US" dirty="0"/>
+              <a:t>M.C. José Antonio Ovando </a:t>
+            </a:r>
+            <a:r>
+              <a:rPr lang="en-US" dirty="0" err="1"/>
+              <a:t>Ricárdez</a:t>
+            </a:r>
+            <a:endParaRPr lang="en-MX" dirty="0"/>
+          </a:p>
+        </p:txBody>
+      </p:sp>
     </p:spTree>
     <p:extLst>
       <p:ext uri="{BB962C8B-B14F-4D97-AF65-F5344CB8AC3E}">
